--- a/reference/QCATC777-Survival Curve.pptx
+++ b/reference/QCATC777-Survival Curve.pptx
@@ -8934,8 +8934,8 @@
           </p:nvSpPr>
           <p:spPr>
             <a:xfrm rot="-5400000">
-              <a:off x="60203" y="2582026"/>
-              <a:ext cx="1973250" cy="173459"/>
+              <a:off x="58684" y="2582026"/>
+              <a:ext cx="1976288" cy="173459"/>
             </a:xfrm>
             <a:prstGeom prst="rect">
               <a:avLst/>
@@ -8967,7 +8967,7 @@
                   <a:latin typeface="DejaVu Sans"/>
                   <a:cs typeface="DejaVu Sans"/>
                 </a:rPr>
-                <a:t>Survival probability</a:t>
+                <a:t>Survival Probability</a:t>
               </a:r>
             </a:p>
           </p:txBody>
